--- a/slide-decks/ReSTful-Services.pptx
+++ b/slide-decks/ReSTful-Services.pptx
@@ -5,7 +5,7 @@
     <p:sldMasterId id="2147483660" r:id="rId1"/>
   </p:sldMasterIdLst>
   <p:notesMasterIdLst>
-    <p:notesMasterId r:id="rId34"/>
+    <p:notesMasterId r:id="rId35"/>
   </p:notesMasterIdLst>
   <p:sldIdLst>
     <p:sldId id="256" r:id="rId2"/>
@@ -34,12 +34,13 @@
     <p:sldId id="322" r:id="rId25"/>
     <p:sldId id="325" r:id="rId26"/>
     <p:sldId id="326" r:id="rId27"/>
-    <p:sldId id="317" r:id="rId28"/>
-    <p:sldId id="327" r:id="rId29"/>
-    <p:sldId id="329" r:id="rId30"/>
-    <p:sldId id="330" r:id="rId31"/>
-    <p:sldId id="328" r:id="rId32"/>
-    <p:sldId id="301" r:id="rId33"/>
+    <p:sldId id="331" r:id="rId28"/>
+    <p:sldId id="317" r:id="rId29"/>
+    <p:sldId id="327" r:id="rId30"/>
+    <p:sldId id="329" r:id="rId31"/>
+    <p:sldId id="330" r:id="rId32"/>
+    <p:sldId id="328" r:id="rId33"/>
+    <p:sldId id="301" r:id="rId34"/>
   </p:sldIdLst>
   <p:sldSz cx="12192000" cy="6858000"/>
   <p:notesSz cx="6858000" cy="9144000"/>
@@ -4433,7 +4434,7 @@
           <a:p>
             <a:fld id="{CE67F012-38C7-4A51-8407-4E1626DDB7EA}" type="datetimeFigureOut">
               <a:rPr lang="en-US" smtClean="0"/>
-              <a:t>1/29/2020</a:t>
+              <a:t>2/15/2020</a:t>
             </a:fld>
             <a:endParaRPr lang="en-US"/>
           </a:p>
@@ -5038,7 +5039,7 @@
           <a:p>
             <a:fld id="{4D3D7829-6833-49EA-A182-69C45F439246}" type="slidenum">
               <a:rPr lang="en-US" smtClean="0"/>
-              <a:t>32</a:t>
+              <a:t>33</a:t>
             </a:fld>
             <a:endParaRPr lang="en-US"/>
           </a:p>
@@ -5204,7 +5205,7 @@
           <a:p>
             <a:fld id="{D0AC16CF-CEFA-4AB8-B917-2106573FF13A}" type="datetime1">
               <a:rPr lang="en-US" smtClean="0"/>
-              <a:t>1/29/2020</a:t>
+              <a:t>2/15/2020</a:t>
             </a:fld>
             <a:endParaRPr lang="en-US"/>
           </a:p>
@@ -5402,7 +5403,7 @@
           <a:p>
             <a:fld id="{C2B18207-E477-469D-BFB8-90CBD52BA3C4}" type="datetime1">
               <a:rPr lang="en-US" smtClean="0"/>
-              <a:t>1/29/2020</a:t>
+              <a:t>2/15/2020</a:t>
             </a:fld>
             <a:endParaRPr lang="en-US"/>
           </a:p>
@@ -5610,7 +5611,7 @@
           <a:p>
             <a:fld id="{E0E24376-2093-4F31-8B9D-1582C009C93F}" type="datetime1">
               <a:rPr lang="en-US" smtClean="0"/>
-              <a:t>1/29/2020</a:t>
+              <a:t>2/15/2020</a:t>
             </a:fld>
             <a:endParaRPr lang="en-US"/>
           </a:p>
@@ -5808,7 +5809,7 @@
           <a:p>
             <a:fld id="{B7F005A9-C173-430D-BE88-F1EA59487921}" type="datetime1">
               <a:rPr lang="en-US" smtClean="0"/>
-              <a:t>1/29/2020</a:t>
+              <a:t>2/15/2020</a:t>
             </a:fld>
             <a:endParaRPr lang="en-US"/>
           </a:p>
@@ -6083,7 +6084,7 @@
           <a:p>
             <a:fld id="{F1AFB85F-333D-4E2E-9950-8ADFCBD745FB}" type="datetime1">
               <a:rPr lang="en-US" smtClean="0"/>
-              <a:t>1/29/2020</a:t>
+              <a:t>2/15/2020</a:t>
             </a:fld>
             <a:endParaRPr lang="en-US"/>
           </a:p>
@@ -6348,7 +6349,7 @@
           <a:p>
             <a:fld id="{FFB0B5E1-7714-4267-84B3-DF99D24D419E}" type="datetime1">
               <a:rPr lang="en-US" smtClean="0"/>
-              <a:t>1/29/2020</a:t>
+              <a:t>2/15/2020</a:t>
             </a:fld>
             <a:endParaRPr lang="en-US"/>
           </a:p>
@@ -6760,7 +6761,7 @@
           <a:p>
             <a:fld id="{5553DBB5-4FC9-41FE-A5DD-41D80D8FA4D8}" type="datetime1">
               <a:rPr lang="en-US" smtClean="0"/>
-              <a:t>1/29/2020</a:t>
+              <a:t>2/15/2020</a:t>
             </a:fld>
             <a:endParaRPr lang="en-US"/>
           </a:p>
@@ -6901,7 +6902,7 @@
           <a:p>
             <a:fld id="{2C89F4E2-84E7-40DF-8A94-C3E00C3E6C6A}" type="datetime1">
               <a:rPr lang="en-US" smtClean="0"/>
-              <a:t>1/29/2020</a:t>
+              <a:t>2/15/2020</a:t>
             </a:fld>
             <a:endParaRPr lang="en-US"/>
           </a:p>
@@ -7014,7 +7015,7 @@
           <a:p>
             <a:fld id="{8181C7FC-66C1-4D04-B8E7-A02AA122A2B6}" type="datetime1">
               <a:rPr lang="en-US" smtClean="0"/>
-              <a:t>1/29/2020</a:t>
+              <a:t>2/15/2020</a:t>
             </a:fld>
             <a:endParaRPr lang="en-US"/>
           </a:p>
@@ -7325,7 +7326,7 @@
           <a:p>
             <a:fld id="{C8597F24-A0DB-405C-973C-1C5C5E3A9D86}" type="datetime1">
               <a:rPr lang="en-US" smtClean="0"/>
-              <a:t>1/29/2020</a:t>
+              <a:t>2/15/2020</a:t>
             </a:fld>
             <a:endParaRPr lang="en-US"/>
           </a:p>
@@ -7616,7 +7617,7 @@
           <a:p>
             <a:fld id="{E9BE91BF-F4A8-4BDE-805F-8BFCB650F984}" type="datetime1">
               <a:rPr lang="en-US" smtClean="0"/>
-              <a:t>1/29/2020</a:t>
+              <a:t>2/15/2020</a:t>
             </a:fld>
             <a:endParaRPr lang="en-US"/>
           </a:p>
@@ -7857,7 +7858,7 @@
           <a:p>
             <a:fld id="{A6A0D2C6-4BB7-4743-B712-B5CAF0676045}" type="datetime1">
               <a:rPr lang="en-US" smtClean="0"/>
-              <a:t>1/29/2020</a:t>
+              <a:t>2/15/2020</a:t>
             </a:fld>
             <a:endParaRPr lang="en-US"/>
           </a:p>
@@ -13309,8 +13310,8 @@
         </p:nvSpPr>
         <p:spPr>
           <a:xfrm>
-            <a:off x="961159" y="2265218"/>
-            <a:ext cx="1667741" cy="1065068"/>
+            <a:off x="273626" y="2446485"/>
+            <a:ext cx="833005" cy="824038"/>
           </a:xfrm>
           <a:prstGeom prst="roundRect">
             <a:avLst/>
@@ -13358,7 +13359,7 @@
         </p:nvSpPr>
         <p:spPr>
           <a:xfrm>
-            <a:off x="5550477" y="2265218"/>
+            <a:off x="6321136" y="2265218"/>
             <a:ext cx="1988128" cy="1065068"/>
           </a:xfrm>
           <a:prstGeom prst="roundRect">
@@ -13600,8 +13601,8 @@
         </p:nvCxnSpPr>
         <p:spPr>
           <a:xfrm flipV="1">
-            <a:off x="7538605" y="1659947"/>
-            <a:ext cx="1558636" cy="1137805"/>
+            <a:off x="8309264" y="1659947"/>
+            <a:ext cx="787977" cy="1137805"/>
           </a:xfrm>
           <a:prstGeom prst="bentConnector3">
             <a:avLst/>
@@ -13643,8 +13644,8 @@
         </p:nvCxnSpPr>
         <p:spPr>
           <a:xfrm>
-            <a:off x="7538605" y="2797752"/>
-            <a:ext cx="1558636" cy="375227"/>
+            <a:off x="8309264" y="2797752"/>
+            <a:ext cx="787977" cy="375227"/>
           </a:xfrm>
           <a:prstGeom prst="bentConnector3">
             <a:avLst/>
@@ -13686,8 +13687,8 @@
         </p:nvCxnSpPr>
         <p:spPr>
           <a:xfrm>
-            <a:off x="7538605" y="2797752"/>
-            <a:ext cx="1558636" cy="2024784"/>
+            <a:off x="8309264" y="2797752"/>
+            <a:ext cx="787977" cy="2024784"/>
           </a:xfrm>
           <a:prstGeom prst="bentConnector3">
             <a:avLst/>
@@ -13721,13 +13722,15 @@
               </a:ext>
             </a:extLst>
           </p:cNvPr>
-          <p:cNvCxnSpPr/>
+          <p:cNvCxnSpPr>
+            <a:cxnSpLocks/>
+          </p:cNvCxnSpPr>
           <p:nvPr/>
         </p:nvCxnSpPr>
         <p:spPr>
           <a:xfrm>
-            <a:off x="2628900" y="2556164"/>
-            <a:ext cx="2857500" cy="0"/>
+            <a:off x="1106631" y="2640445"/>
+            <a:ext cx="5214505" cy="0"/>
           </a:xfrm>
           <a:prstGeom prst="straightConnector1">
             <a:avLst/>
@@ -13760,13 +13763,15 @@
               </a:ext>
             </a:extLst>
           </p:cNvPr>
-          <p:cNvCxnSpPr/>
+          <p:cNvCxnSpPr>
+            <a:cxnSpLocks/>
+          </p:cNvCxnSpPr>
           <p:nvPr/>
         </p:nvCxnSpPr>
         <p:spPr>
           <a:xfrm flipH="1">
-            <a:off x="2670464" y="3112077"/>
-            <a:ext cx="2880013" cy="0"/>
+            <a:off x="1150219" y="2947467"/>
+            <a:ext cx="5170918" cy="30393"/>
           </a:xfrm>
           <a:prstGeom prst="straightConnector1">
             <a:avLst/>
@@ -13804,7 +13809,7 @@
         </p:nvSpPr>
         <p:spPr>
           <a:xfrm>
-            <a:off x="3936549" y="2186832"/>
+            <a:off x="838200" y="1821060"/>
             <a:ext cx="1345497" cy="369332"/>
           </a:xfrm>
           <a:prstGeom prst="rect">
@@ -13839,7 +13844,7 @@
         </p:nvSpPr>
         <p:spPr>
           <a:xfrm>
-            <a:off x="2743200" y="3112076"/>
+            <a:off x="5048177" y="3321833"/>
             <a:ext cx="1482714" cy="369332"/>
           </a:xfrm>
           <a:prstGeom prst="rect">
@@ -13856,6 +13861,126 @@
             <a:r>
               <a:rPr lang="en-US" dirty="0"/>
               <a:t>http response</a:t>
+            </a:r>
+          </a:p>
+        </p:txBody>
+      </p:sp>
+      <p:sp>
+        <p:nvSpPr>
+          <p:cNvPr id="22" name="Rectangle: Rounded Corners 21">
+            <a:extLst>
+              <a:ext uri="{FF2B5EF4-FFF2-40B4-BE49-F238E27FC236}">
+                <a16:creationId xmlns:a16="http://schemas.microsoft.com/office/drawing/2014/main" id="{7F40F09B-E197-4A24-93B3-30237016CEF1}"/>
+              </a:ext>
+            </a:extLst>
+          </p:cNvPr>
+          <p:cNvSpPr/>
+          <p:nvPr/>
+        </p:nvSpPr>
+        <p:spPr>
+          <a:xfrm>
+            <a:off x="1646958" y="2303031"/>
+            <a:ext cx="1988128" cy="1065068"/>
+          </a:xfrm>
+          <a:prstGeom prst="roundRect">
+            <a:avLst/>
+          </a:prstGeom>
+        </p:spPr>
+        <p:style>
+          <a:lnRef idx="2">
+            <a:schemeClr val="accent1">
+              <a:shade val="50000"/>
+            </a:schemeClr>
+          </a:lnRef>
+          <a:fillRef idx="1">
+            <a:schemeClr val="accent1"/>
+          </a:fillRef>
+          <a:effectRef idx="0">
+            <a:schemeClr val="accent1"/>
+          </a:effectRef>
+          <a:fontRef idx="minor">
+            <a:schemeClr val="lt1"/>
+          </a:fontRef>
+        </p:style>
+        <p:txBody>
+          <a:bodyPr rtlCol="0" anchor="ctr"/>
+          <a:lstStyle/>
+          <a:p>
+            <a:pPr algn="ctr"/>
+            <a:r>
+              <a:rPr lang="en-US" dirty="0"/>
+              <a:t>Servlet</a:t>
+            </a:r>
+          </a:p>
+          <a:p>
+            <a:pPr algn="ctr"/>
+            <a:r>
+              <a:rPr lang="en-US" dirty="0"/>
+              <a:t>Container</a:t>
+            </a:r>
+          </a:p>
+          <a:p>
+            <a:pPr algn="ctr"/>
+            <a:r>
+              <a:rPr lang="en-US" dirty="0"/>
+              <a:t>(</a:t>
+            </a:r>
+            <a:r>
+              <a:rPr lang="en-US" dirty="0" err="1"/>
+              <a:t>TomCat</a:t>
+            </a:r>
+            <a:r>
+              <a:rPr lang="en-US" dirty="0"/>
+              <a:t>)</a:t>
+            </a:r>
+          </a:p>
+        </p:txBody>
+      </p:sp>
+      <p:sp>
+        <p:nvSpPr>
+          <p:cNvPr id="23" name="Rectangle: Rounded Corners 22">
+            <a:extLst>
+              <a:ext uri="{FF2B5EF4-FFF2-40B4-BE49-F238E27FC236}">
+                <a16:creationId xmlns:a16="http://schemas.microsoft.com/office/drawing/2014/main" id="{B4C729CD-9BA4-4A96-A879-91C52A0AFAC8}"/>
+              </a:ext>
+            </a:extLst>
+          </p:cNvPr>
+          <p:cNvSpPr/>
+          <p:nvPr/>
+        </p:nvSpPr>
+        <p:spPr>
+          <a:xfrm>
+            <a:off x="4423063" y="2452028"/>
+            <a:ext cx="1014299" cy="691447"/>
+          </a:xfrm>
+          <a:prstGeom prst="roundRect">
+            <a:avLst/>
+          </a:prstGeom>
+        </p:spPr>
+        <p:style>
+          <a:lnRef idx="2">
+            <a:schemeClr val="accent1">
+              <a:shade val="50000"/>
+            </a:schemeClr>
+          </a:lnRef>
+          <a:fillRef idx="1">
+            <a:schemeClr val="accent1"/>
+          </a:fillRef>
+          <a:effectRef idx="0">
+            <a:schemeClr val="accent1"/>
+          </a:effectRef>
+          <a:fontRef idx="minor">
+            <a:schemeClr val="lt1"/>
+          </a:fontRef>
+        </p:style>
+        <p:txBody>
+          <a:bodyPr rtlCol="0" anchor="ctr"/>
+          <a:lstStyle/>
+          <a:p>
+            <a:pPr algn="ctr"/>
+            <a:r>
+              <a:rPr lang="en-US" dirty="0"/>
+              <a:t>Filters</a:t>
             </a:r>
           </a:p>
         </p:txBody>
@@ -13892,10 +14017,10 @@
       </p:grpSpPr>
       <p:sp>
         <p:nvSpPr>
-          <p:cNvPr id="5" name="Title 4">
-            <a:extLst>
-              <a:ext uri="{FF2B5EF4-FFF2-40B4-BE49-F238E27FC236}">
-                <a16:creationId xmlns:a16="http://schemas.microsoft.com/office/drawing/2014/main" id="{65300A32-161E-4F01-AE93-8BC3AA642099}"/>
+          <p:cNvPr id="2" name="Title 1">
+            <a:extLst>
+              <a:ext uri="{FF2B5EF4-FFF2-40B4-BE49-F238E27FC236}">
+                <a16:creationId xmlns:a16="http://schemas.microsoft.com/office/drawing/2014/main" id="{BE234CFB-A5D2-4F63-ADB2-4EB0BE95B612}"/>
               </a:ext>
             </a:extLst>
           </p:cNvPr>
@@ -13906,82 +14031,20 @@
             <p:ph type="title"/>
           </p:nvPr>
         </p:nvSpPr>
-        <p:spPr/>
+        <p:spPr>
+          <a:xfrm>
+            <a:off x="838200" y="365125"/>
+            <a:ext cx="10515600" cy="1325563"/>
+          </a:xfrm>
+        </p:spPr>
         <p:txBody>
           <a:bodyPr/>
           <a:lstStyle/>
           <a:p>
             <a:r>
               <a:rPr lang="en-US" dirty="0"/>
-              <a:t>Additional Resources</a:t>
-            </a:r>
-          </a:p>
-        </p:txBody>
-      </p:sp>
-      <p:sp>
-        <p:nvSpPr>
-          <p:cNvPr id="6" name="Content Placeholder 5">
-            <a:extLst>
-              <a:ext uri="{FF2B5EF4-FFF2-40B4-BE49-F238E27FC236}">
-                <a16:creationId xmlns:a16="http://schemas.microsoft.com/office/drawing/2014/main" id="{00C67496-00FF-4B58-A346-D02095FEF2BB}"/>
-              </a:ext>
-            </a:extLst>
-          </p:cNvPr>
-          <p:cNvSpPr>
-            <a:spLocks noGrp="1"/>
-          </p:cNvSpPr>
-          <p:nvPr>
-            <p:ph idx="1"/>
-          </p:nvPr>
-        </p:nvSpPr>
-        <p:spPr/>
-        <p:txBody>
-          <a:bodyPr/>
-          <a:lstStyle/>
-          <a:p>
-            <a:r>
-              <a:rPr lang="en-US" dirty="0">
-                <a:hlinkClick r:id="rId2"/>
-              </a:rPr>
-              <a:t>https://spring.io</a:t>
-            </a:r>
-            <a:endParaRPr lang="en-US" dirty="0"/>
-          </a:p>
-          <a:p>
-            <a:r>
-              <a:rPr lang="en-US" dirty="0">
-                <a:hlinkClick r:id="rId3"/>
-              </a:rPr>
-              <a:t>https://www.baeldung.com/spring-mvc-tutorial</a:t>
-            </a:r>
-            <a:endParaRPr lang="en-US" dirty="0"/>
-          </a:p>
-          <a:p>
-            <a:r>
-              <a:rPr lang="en-US" dirty="0">
-                <a:hlinkClick r:id="rId4"/>
-              </a:rPr>
-              <a:t>https://www.udemy.com/course/spring-hibernate-tutorial/</a:t>
-            </a:r>
-            <a:r>
-              <a:rPr lang="en-US" dirty="0"/>
-              <a:t> (PAID)</a:t>
-            </a:r>
-          </a:p>
-          <a:p>
-            <a:r>
-              <a:rPr lang="en-US" dirty="0">
-                <a:hlinkClick r:id="rId5"/>
-              </a:rPr>
-              <a:t>https://www.pluralsight.com/paths/core-spring</a:t>
-            </a:r>
-            <a:r>
-              <a:rPr lang="en-US" dirty="0"/>
-              <a:t> (PAID)</a:t>
-            </a:r>
-          </a:p>
-          <a:p>
-            <a:endParaRPr lang="en-US" dirty="0"/>
+              <a:t>Spring MVC – Under the hood</a:t>
+            </a:r>
           </a:p>
         </p:txBody>
       </p:sp>
@@ -13990,7 +14053,7 @@
           <p:cNvPr id="4" name="Slide Number Placeholder 3">
             <a:extLst>
               <a:ext uri="{FF2B5EF4-FFF2-40B4-BE49-F238E27FC236}">
-                <a16:creationId xmlns:a16="http://schemas.microsoft.com/office/drawing/2014/main" id="{6E2B3F43-3182-45F4-910D-C76E3FBAB672}"/>
+                <a16:creationId xmlns:a16="http://schemas.microsoft.com/office/drawing/2014/main" id="{362D467E-E540-481F-9D16-EA3E31F02DDA}"/>
               </a:ext>
             </a:extLst>
           </p:cNvPr>
@@ -14014,10 +14077,800 @@
           </a:p>
         </p:txBody>
       </p:sp>
+      <p:sp>
+        <p:nvSpPr>
+          <p:cNvPr id="5" name="Rectangle: Rounded Corners 4">
+            <a:extLst>
+              <a:ext uri="{FF2B5EF4-FFF2-40B4-BE49-F238E27FC236}">
+                <a16:creationId xmlns:a16="http://schemas.microsoft.com/office/drawing/2014/main" id="{AAF0DC51-CBE5-4447-B419-3470B264D3FD}"/>
+              </a:ext>
+            </a:extLst>
+          </p:cNvPr>
+          <p:cNvSpPr/>
+          <p:nvPr/>
+        </p:nvSpPr>
+        <p:spPr>
+          <a:xfrm>
+            <a:off x="273626" y="2446485"/>
+            <a:ext cx="833005" cy="824038"/>
+          </a:xfrm>
+          <a:prstGeom prst="roundRect">
+            <a:avLst/>
+          </a:prstGeom>
+        </p:spPr>
+        <p:style>
+          <a:lnRef idx="2">
+            <a:schemeClr val="accent1">
+              <a:shade val="50000"/>
+            </a:schemeClr>
+          </a:lnRef>
+          <a:fillRef idx="1">
+            <a:schemeClr val="accent1"/>
+          </a:fillRef>
+          <a:effectRef idx="0">
+            <a:schemeClr val="accent1"/>
+          </a:effectRef>
+          <a:fontRef idx="minor">
+            <a:schemeClr val="lt1"/>
+          </a:fontRef>
+        </p:style>
+        <p:txBody>
+          <a:bodyPr rtlCol="0" anchor="ctr"/>
+          <a:lstStyle/>
+          <a:p>
+            <a:pPr algn="ctr"/>
+            <a:r>
+              <a:rPr lang="en-US" dirty="0"/>
+              <a:t>Client</a:t>
+            </a:r>
+          </a:p>
+        </p:txBody>
+      </p:sp>
+      <p:sp>
+        <p:nvSpPr>
+          <p:cNvPr id="6" name="Rectangle: Rounded Corners 5">
+            <a:extLst>
+              <a:ext uri="{FF2B5EF4-FFF2-40B4-BE49-F238E27FC236}">
+                <a16:creationId xmlns:a16="http://schemas.microsoft.com/office/drawing/2014/main" id="{1981089E-2F22-40F0-870B-2FE99641ED44}"/>
+              </a:ext>
+            </a:extLst>
+          </p:cNvPr>
+          <p:cNvSpPr/>
+          <p:nvPr/>
+        </p:nvSpPr>
+        <p:spPr>
+          <a:xfrm>
+            <a:off x="6321136" y="2265218"/>
+            <a:ext cx="1988128" cy="1065068"/>
+          </a:xfrm>
+          <a:prstGeom prst="roundRect">
+            <a:avLst/>
+          </a:prstGeom>
+        </p:spPr>
+        <p:style>
+          <a:lnRef idx="2">
+            <a:schemeClr val="accent1">
+              <a:shade val="50000"/>
+            </a:schemeClr>
+          </a:lnRef>
+          <a:fillRef idx="1">
+            <a:schemeClr val="accent1"/>
+          </a:fillRef>
+          <a:effectRef idx="0">
+            <a:schemeClr val="accent1"/>
+          </a:effectRef>
+          <a:fontRef idx="minor">
+            <a:schemeClr val="lt1"/>
+          </a:fontRef>
+        </p:style>
+        <p:txBody>
+          <a:bodyPr rtlCol="0" anchor="ctr"/>
+          <a:lstStyle/>
+          <a:p>
+            <a:pPr algn="ctr"/>
+            <a:r>
+              <a:rPr lang="en-US" dirty="0"/>
+              <a:t>Dispatcher</a:t>
+            </a:r>
+          </a:p>
+          <a:p>
+            <a:pPr algn="ctr"/>
+            <a:r>
+              <a:rPr lang="en-US" dirty="0"/>
+              <a:t>Servlet</a:t>
+            </a:r>
+          </a:p>
+          <a:p>
+            <a:pPr algn="ctr"/>
+            <a:r>
+              <a:rPr lang="en-US" dirty="0"/>
+              <a:t>(</a:t>
+            </a:r>
+            <a:r>
+              <a:rPr lang="en-US" dirty="0" err="1"/>
+              <a:t>FrontController</a:t>
+            </a:r>
+            <a:r>
+              <a:rPr lang="en-US" dirty="0"/>
+              <a:t>)</a:t>
+            </a:r>
+          </a:p>
+        </p:txBody>
+      </p:sp>
+      <p:sp>
+        <p:nvSpPr>
+          <p:cNvPr id="7" name="Rectangle: Rounded Corners 6">
+            <a:extLst>
+              <a:ext uri="{FF2B5EF4-FFF2-40B4-BE49-F238E27FC236}">
+                <a16:creationId xmlns:a16="http://schemas.microsoft.com/office/drawing/2014/main" id="{B97E8125-B56A-42EB-BEEA-4B1FBBAD5A24}"/>
+              </a:ext>
+            </a:extLst>
+          </p:cNvPr>
+          <p:cNvSpPr/>
+          <p:nvPr/>
+        </p:nvSpPr>
+        <p:spPr>
+          <a:xfrm>
+            <a:off x="9611591" y="5042477"/>
+            <a:ext cx="1988128" cy="1065068"/>
+          </a:xfrm>
+          <a:prstGeom prst="roundRect">
+            <a:avLst/>
+          </a:prstGeom>
+        </p:spPr>
+        <p:style>
+          <a:lnRef idx="2">
+            <a:schemeClr val="accent1">
+              <a:shade val="50000"/>
+            </a:schemeClr>
+          </a:lnRef>
+          <a:fillRef idx="1">
+            <a:schemeClr val="accent1"/>
+          </a:fillRef>
+          <a:effectRef idx="0">
+            <a:schemeClr val="accent1"/>
+          </a:effectRef>
+          <a:fontRef idx="minor">
+            <a:schemeClr val="lt1"/>
+          </a:fontRef>
+        </p:style>
+        <p:txBody>
+          <a:bodyPr rtlCol="0" anchor="ctr"/>
+          <a:lstStyle/>
+          <a:p>
+            <a:pPr algn="ctr"/>
+            <a:r>
+              <a:rPr lang="en-US" dirty="0"/>
+              <a:t>Customer</a:t>
+            </a:r>
+          </a:p>
+          <a:p>
+            <a:pPr algn="ctr"/>
+            <a:r>
+              <a:rPr lang="en-US" dirty="0"/>
+              <a:t>Controller</a:t>
+            </a:r>
+          </a:p>
+        </p:txBody>
+      </p:sp>
+      <p:sp>
+        <p:nvSpPr>
+          <p:cNvPr id="8" name="Rectangle: Rounded Corners 7">
+            <a:extLst>
+              <a:ext uri="{FF2B5EF4-FFF2-40B4-BE49-F238E27FC236}">
+                <a16:creationId xmlns:a16="http://schemas.microsoft.com/office/drawing/2014/main" id="{1CE0B754-F19B-4F7E-A8FE-60BEC51CE208}"/>
+              </a:ext>
+            </a:extLst>
+          </p:cNvPr>
+          <p:cNvSpPr/>
+          <p:nvPr/>
+        </p:nvSpPr>
+        <p:spPr>
+          <a:xfrm>
+            <a:off x="6567487" y="5042477"/>
+            <a:ext cx="1988128" cy="1065068"/>
+          </a:xfrm>
+          <a:prstGeom prst="roundRect">
+            <a:avLst/>
+          </a:prstGeom>
+        </p:spPr>
+        <p:style>
+          <a:lnRef idx="2">
+            <a:schemeClr val="accent1">
+              <a:shade val="50000"/>
+            </a:schemeClr>
+          </a:lnRef>
+          <a:fillRef idx="1">
+            <a:schemeClr val="accent1"/>
+          </a:fillRef>
+          <a:effectRef idx="0">
+            <a:schemeClr val="accent1"/>
+          </a:effectRef>
+          <a:fontRef idx="minor">
+            <a:schemeClr val="lt1"/>
+          </a:fontRef>
+        </p:style>
+        <p:txBody>
+          <a:bodyPr rtlCol="0" anchor="ctr"/>
+          <a:lstStyle/>
+          <a:p>
+            <a:pPr algn="ctr"/>
+            <a:r>
+              <a:rPr lang="en-US" dirty="0"/>
+              <a:t>Address</a:t>
+            </a:r>
+          </a:p>
+          <a:p>
+            <a:pPr algn="ctr"/>
+            <a:r>
+              <a:rPr lang="en-US" dirty="0"/>
+              <a:t>Controller</a:t>
+            </a:r>
+          </a:p>
+        </p:txBody>
+      </p:sp>
+      <p:sp>
+        <p:nvSpPr>
+          <p:cNvPr id="9" name="Rectangle: Rounded Corners 8">
+            <a:extLst>
+              <a:ext uri="{FF2B5EF4-FFF2-40B4-BE49-F238E27FC236}">
+                <a16:creationId xmlns:a16="http://schemas.microsoft.com/office/drawing/2014/main" id="{6828B7DE-3E65-42DF-B7B7-FF2CC9DC6310}"/>
+              </a:ext>
+            </a:extLst>
+          </p:cNvPr>
+          <p:cNvSpPr/>
+          <p:nvPr/>
+        </p:nvSpPr>
+        <p:spPr>
+          <a:xfrm>
+            <a:off x="3735678" y="5042477"/>
+            <a:ext cx="1988128" cy="1065068"/>
+          </a:xfrm>
+          <a:prstGeom prst="roundRect">
+            <a:avLst/>
+          </a:prstGeom>
+        </p:spPr>
+        <p:style>
+          <a:lnRef idx="2">
+            <a:schemeClr val="accent1">
+              <a:shade val="50000"/>
+            </a:schemeClr>
+          </a:lnRef>
+          <a:fillRef idx="1">
+            <a:schemeClr val="accent1"/>
+          </a:fillRef>
+          <a:effectRef idx="0">
+            <a:schemeClr val="accent1"/>
+          </a:effectRef>
+          <a:fontRef idx="minor">
+            <a:schemeClr val="lt1"/>
+          </a:fontRef>
+        </p:style>
+        <p:txBody>
+          <a:bodyPr rtlCol="0" anchor="ctr"/>
+          <a:lstStyle/>
+          <a:p>
+            <a:pPr algn="ctr"/>
+            <a:r>
+              <a:rPr lang="en-US" dirty="0"/>
+              <a:t>History</a:t>
+            </a:r>
+          </a:p>
+          <a:p>
+            <a:pPr algn="ctr"/>
+            <a:r>
+              <a:rPr lang="en-US" dirty="0"/>
+              <a:t>Controller</a:t>
+            </a:r>
+          </a:p>
+        </p:txBody>
+      </p:sp>
+      <p:cxnSp>
+        <p:nvCxnSpPr>
+          <p:cNvPr id="11" name="Connector: Elbow 10">
+            <a:extLst>
+              <a:ext uri="{FF2B5EF4-FFF2-40B4-BE49-F238E27FC236}">
+                <a16:creationId xmlns:a16="http://schemas.microsoft.com/office/drawing/2014/main" id="{7B16E75D-2004-4FFB-8F1E-C5C6439827E9}"/>
+              </a:ext>
+            </a:extLst>
+          </p:cNvPr>
+          <p:cNvCxnSpPr>
+            <a:cxnSpLocks/>
+            <a:stCxn id="26" idx="2"/>
+            <a:endCxn id="7" idx="0"/>
+          </p:cNvCxnSpPr>
+          <p:nvPr/>
+        </p:nvCxnSpPr>
+        <p:spPr>
+          <a:xfrm rot="16200000" flipH="1">
+            <a:off x="9183473" y="3620294"/>
+            <a:ext cx="1904545" cy="939819"/>
+          </a:xfrm>
+          <a:prstGeom prst="bentConnector3">
+            <a:avLst>
+              <a:gd name="adj1" fmla="val 50000"/>
+            </a:avLst>
+          </a:prstGeom>
+          <a:ln>
+            <a:headEnd type="triangle"/>
+            <a:tailEnd type="triangle"/>
+          </a:ln>
+        </p:spPr>
+        <p:style>
+          <a:lnRef idx="1">
+            <a:schemeClr val="accent1"/>
+          </a:lnRef>
+          <a:fillRef idx="0">
+            <a:schemeClr val="accent1"/>
+          </a:fillRef>
+          <a:effectRef idx="0">
+            <a:schemeClr val="accent1"/>
+          </a:effectRef>
+          <a:fontRef idx="minor">
+            <a:schemeClr val="tx1"/>
+          </a:fontRef>
+        </p:style>
+      </p:cxnSp>
+      <p:cxnSp>
+        <p:nvCxnSpPr>
+          <p:cNvPr id="13" name="Connector: Elbow 12">
+            <a:extLst>
+              <a:ext uri="{FF2B5EF4-FFF2-40B4-BE49-F238E27FC236}">
+                <a16:creationId xmlns:a16="http://schemas.microsoft.com/office/drawing/2014/main" id="{B7B5A45C-57BD-4EB6-A7A1-AD0F33E29509}"/>
+              </a:ext>
+            </a:extLst>
+          </p:cNvPr>
+          <p:cNvCxnSpPr>
+            <a:cxnSpLocks/>
+            <a:stCxn id="26" idx="2"/>
+            <a:endCxn id="8" idx="0"/>
+          </p:cNvCxnSpPr>
+          <p:nvPr/>
+        </p:nvCxnSpPr>
+        <p:spPr>
+          <a:xfrm rot="5400000">
+            <a:off x="7661422" y="3038062"/>
+            <a:ext cx="1904545" cy="2104285"/>
+          </a:xfrm>
+          <a:prstGeom prst="bentConnector3">
+            <a:avLst>
+              <a:gd name="adj1" fmla="val 50000"/>
+            </a:avLst>
+          </a:prstGeom>
+          <a:ln>
+            <a:headEnd type="triangle"/>
+            <a:tailEnd type="triangle"/>
+          </a:ln>
+        </p:spPr>
+        <p:style>
+          <a:lnRef idx="1">
+            <a:schemeClr val="accent1"/>
+          </a:lnRef>
+          <a:fillRef idx="0">
+            <a:schemeClr val="accent1"/>
+          </a:fillRef>
+          <a:effectRef idx="0">
+            <a:schemeClr val="accent1"/>
+          </a:effectRef>
+          <a:fontRef idx="minor">
+            <a:schemeClr val="tx1"/>
+          </a:fontRef>
+        </p:style>
+      </p:cxnSp>
+      <p:cxnSp>
+        <p:nvCxnSpPr>
+          <p:cNvPr id="15" name="Connector: Elbow 14">
+            <a:extLst>
+              <a:ext uri="{FF2B5EF4-FFF2-40B4-BE49-F238E27FC236}">
+                <a16:creationId xmlns:a16="http://schemas.microsoft.com/office/drawing/2014/main" id="{4B4CF70B-699F-4D2C-A851-B2550D838BA7}"/>
+              </a:ext>
+            </a:extLst>
+          </p:cNvPr>
+          <p:cNvCxnSpPr>
+            <a:cxnSpLocks/>
+            <a:stCxn id="26" idx="2"/>
+            <a:endCxn id="9" idx="0"/>
+          </p:cNvCxnSpPr>
+          <p:nvPr/>
+        </p:nvCxnSpPr>
+        <p:spPr>
+          <a:xfrm rot="5400000">
+            <a:off x="6245517" y="1622157"/>
+            <a:ext cx="1904545" cy="4936094"/>
+          </a:xfrm>
+          <a:prstGeom prst="bentConnector3">
+            <a:avLst>
+              <a:gd name="adj1" fmla="val 50000"/>
+            </a:avLst>
+          </a:prstGeom>
+          <a:ln>
+            <a:headEnd type="triangle"/>
+            <a:tailEnd type="triangle"/>
+          </a:ln>
+        </p:spPr>
+        <p:style>
+          <a:lnRef idx="1">
+            <a:schemeClr val="accent1"/>
+          </a:lnRef>
+          <a:fillRef idx="0">
+            <a:schemeClr val="accent1"/>
+          </a:fillRef>
+          <a:effectRef idx="0">
+            <a:schemeClr val="accent1"/>
+          </a:effectRef>
+          <a:fontRef idx="minor">
+            <a:schemeClr val="tx1"/>
+          </a:fontRef>
+        </p:style>
+      </p:cxnSp>
+      <p:cxnSp>
+        <p:nvCxnSpPr>
+          <p:cNvPr id="17" name="Straight Arrow Connector 16">
+            <a:extLst>
+              <a:ext uri="{FF2B5EF4-FFF2-40B4-BE49-F238E27FC236}">
+                <a16:creationId xmlns:a16="http://schemas.microsoft.com/office/drawing/2014/main" id="{B68200E0-E04F-41CA-B0D7-3F327E2FB0DD}"/>
+              </a:ext>
+            </a:extLst>
+          </p:cNvPr>
+          <p:cNvCxnSpPr>
+            <a:cxnSpLocks/>
+          </p:cNvCxnSpPr>
+          <p:nvPr/>
+        </p:nvCxnSpPr>
+        <p:spPr>
+          <a:xfrm>
+            <a:off x="1106631" y="2640445"/>
+            <a:ext cx="5214505" cy="0"/>
+          </a:xfrm>
+          <a:prstGeom prst="straightConnector1">
+            <a:avLst/>
+          </a:prstGeom>
+          <a:ln>
+            <a:tailEnd type="triangle"/>
+          </a:ln>
+        </p:spPr>
+        <p:style>
+          <a:lnRef idx="1">
+            <a:schemeClr val="accent1"/>
+          </a:lnRef>
+          <a:fillRef idx="0">
+            <a:schemeClr val="accent1"/>
+          </a:fillRef>
+          <a:effectRef idx="0">
+            <a:schemeClr val="accent1"/>
+          </a:effectRef>
+          <a:fontRef idx="minor">
+            <a:schemeClr val="tx1"/>
+          </a:fontRef>
+        </p:style>
+      </p:cxnSp>
+      <p:cxnSp>
+        <p:nvCxnSpPr>
+          <p:cNvPr id="19" name="Straight Arrow Connector 18">
+            <a:extLst>
+              <a:ext uri="{FF2B5EF4-FFF2-40B4-BE49-F238E27FC236}">
+                <a16:creationId xmlns:a16="http://schemas.microsoft.com/office/drawing/2014/main" id="{40CE85CB-E614-4B56-BA20-95FC93BABC4F}"/>
+              </a:ext>
+            </a:extLst>
+          </p:cNvPr>
+          <p:cNvCxnSpPr>
+            <a:cxnSpLocks/>
+          </p:cNvCxnSpPr>
+          <p:nvPr/>
+        </p:nvCxnSpPr>
+        <p:spPr>
+          <a:xfrm flipH="1">
+            <a:off x="1150219" y="2947467"/>
+            <a:ext cx="5170918" cy="30393"/>
+          </a:xfrm>
+          <a:prstGeom prst="straightConnector1">
+            <a:avLst/>
+          </a:prstGeom>
+          <a:ln>
+            <a:tailEnd type="triangle"/>
+          </a:ln>
+        </p:spPr>
+        <p:style>
+          <a:lnRef idx="1">
+            <a:schemeClr val="accent1"/>
+          </a:lnRef>
+          <a:fillRef idx="0">
+            <a:schemeClr val="accent1"/>
+          </a:fillRef>
+          <a:effectRef idx="0">
+            <a:schemeClr val="accent1"/>
+          </a:effectRef>
+          <a:fontRef idx="minor">
+            <a:schemeClr val="tx1"/>
+          </a:fontRef>
+        </p:style>
+      </p:cxnSp>
+      <p:sp>
+        <p:nvSpPr>
+          <p:cNvPr id="20" name="TextBox 19">
+            <a:extLst>
+              <a:ext uri="{FF2B5EF4-FFF2-40B4-BE49-F238E27FC236}">
+                <a16:creationId xmlns:a16="http://schemas.microsoft.com/office/drawing/2014/main" id="{663C90F2-1180-46E2-95DA-D69D7ECEEC0C}"/>
+              </a:ext>
+            </a:extLst>
+          </p:cNvPr>
+          <p:cNvSpPr txBox="1"/>
+          <p:nvPr/>
+        </p:nvSpPr>
+        <p:spPr>
+          <a:xfrm>
+            <a:off x="838200" y="1821060"/>
+            <a:ext cx="1345497" cy="369332"/>
+          </a:xfrm>
+          <a:prstGeom prst="rect">
+            <a:avLst/>
+          </a:prstGeom>
+          <a:noFill/>
+        </p:spPr>
+        <p:txBody>
+          <a:bodyPr wrap="none" rtlCol="0">
+            <a:spAutoFit/>
+          </a:bodyPr>
+          <a:lstStyle/>
+          <a:p>
+            <a:r>
+              <a:rPr lang="en-US" dirty="0"/>
+              <a:t>http request</a:t>
+            </a:r>
+          </a:p>
+        </p:txBody>
+      </p:sp>
+      <p:sp>
+        <p:nvSpPr>
+          <p:cNvPr id="21" name="TextBox 20">
+            <a:extLst>
+              <a:ext uri="{FF2B5EF4-FFF2-40B4-BE49-F238E27FC236}">
+                <a16:creationId xmlns:a16="http://schemas.microsoft.com/office/drawing/2014/main" id="{0E110588-A5BF-4986-943B-47DE8CE8E708}"/>
+              </a:ext>
+            </a:extLst>
+          </p:cNvPr>
+          <p:cNvSpPr txBox="1"/>
+          <p:nvPr/>
+        </p:nvSpPr>
+        <p:spPr>
+          <a:xfrm>
+            <a:off x="5048177" y="3321833"/>
+            <a:ext cx="1482714" cy="369332"/>
+          </a:xfrm>
+          <a:prstGeom prst="rect">
+            <a:avLst/>
+          </a:prstGeom>
+          <a:noFill/>
+        </p:spPr>
+        <p:txBody>
+          <a:bodyPr wrap="none" rtlCol="0">
+            <a:spAutoFit/>
+          </a:bodyPr>
+          <a:lstStyle/>
+          <a:p>
+            <a:r>
+              <a:rPr lang="en-US" dirty="0"/>
+              <a:t>http response</a:t>
+            </a:r>
+          </a:p>
+        </p:txBody>
+      </p:sp>
+      <p:sp>
+        <p:nvSpPr>
+          <p:cNvPr id="22" name="Rectangle: Rounded Corners 21">
+            <a:extLst>
+              <a:ext uri="{FF2B5EF4-FFF2-40B4-BE49-F238E27FC236}">
+                <a16:creationId xmlns:a16="http://schemas.microsoft.com/office/drawing/2014/main" id="{7F40F09B-E197-4A24-93B3-30237016CEF1}"/>
+              </a:ext>
+            </a:extLst>
+          </p:cNvPr>
+          <p:cNvSpPr/>
+          <p:nvPr/>
+        </p:nvSpPr>
+        <p:spPr>
+          <a:xfrm>
+            <a:off x="1646958" y="2303031"/>
+            <a:ext cx="1988128" cy="1065068"/>
+          </a:xfrm>
+          <a:prstGeom prst="roundRect">
+            <a:avLst/>
+          </a:prstGeom>
+        </p:spPr>
+        <p:style>
+          <a:lnRef idx="2">
+            <a:schemeClr val="accent1">
+              <a:shade val="50000"/>
+            </a:schemeClr>
+          </a:lnRef>
+          <a:fillRef idx="1">
+            <a:schemeClr val="accent1"/>
+          </a:fillRef>
+          <a:effectRef idx="0">
+            <a:schemeClr val="accent1"/>
+          </a:effectRef>
+          <a:fontRef idx="minor">
+            <a:schemeClr val="lt1"/>
+          </a:fontRef>
+        </p:style>
+        <p:txBody>
+          <a:bodyPr rtlCol="0" anchor="ctr"/>
+          <a:lstStyle/>
+          <a:p>
+            <a:pPr algn="ctr"/>
+            <a:r>
+              <a:rPr lang="en-US" dirty="0"/>
+              <a:t>Servlet</a:t>
+            </a:r>
+          </a:p>
+          <a:p>
+            <a:pPr algn="ctr"/>
+            <a:r>
+              <a:rPr lang="en-US" dirty="0"/>
+              <a:t>Container</a:t>
+            </a:r>
+          </a:p>
+          <a:p>
+            <a:pPr algn="ctr"/>
+            <a:r>
+              <a:rPr lang="en-US" dirty="0"/>
+              <a:t>(</a:t>
+            </a:r>
+            <a:r>
+              <a:rPr lang="en-US" dirty="0" err="1"/>
+              <a:t>TomCat</a:t>
+            </a:r>
+            <a:r>
+              <a:rPr lang="en-US" dirty="0"/>
+              <a:t>)</a:t>
+            </a:r>
+          </a:p>
+        </p:txBody>
+      </p:sp>
+      <p:sp>
+        <p:nvSpPr>
+          <p:cNvPr id="23" name="Rectangle: Rounded Corners 22">
+            <a:extLst>
+              <a:ext uri="{FF2B5EF4-FFF2-40B4-BE49-F238E27FC236}">
+                <a16:creationId xmlns:a16="http://schemas.microsoft.com/office/drawing/2014/main" id="{B4C729CD-9BA4-4A96-A879-91C52A0AFAC8}"/>
+              </a:ext>
+            </a:extLst>
+          </p:cNvPr>
+          <p:cNvSpPr/>
+          <p:nvPr/>
+        </p:nvSpPr>
+        <p:spPr>
+          <a:xfrm>
+            <a:off x="4423063" y="2452028"/>
+            <a:ext cx="1014299" cy="691447"/>
+          </a:xfrm>
+          <a:prstGeom prst="roundRect">
+            <a:avLst/>
+          </a:prstGeom>
+        </p:spPr>
+        <p:style>
+          <a:lnRef idx="2">
+            <a:schemeClr val="accent1">
+              <a:shade val="50000"/>
+            </a:schemeClr>
+          </a:lnRef>
+          <a:fillRef idx="1">
+            <a:schemeClr val="accent1"/>
+          </a:fillRef>
+          <a:effectRef idx="0">
+            <a:schemeClr val="accent1"/>
+          </a:effectRef>
+          <a:fontRef idx="minor">
+            <a:schemeClr val="lt1"/>
+          </a:fontRef>
+        </p:style>
+        <p:txBody>
+          <a:bodyPr rtlCol="0" anchor="ctr"/>
+          <a:lstStyle/>
+          <a:p>
+            <a:pPr algn="ctr"/>
+            <a:r>
+              <a:rPr lang="en-US" dirty="0"/>
+              <a:t>Filters</a:t>
+            </a:r>
+          </a:p>
+        </p:txBody>
+      </p:sp>
+      <p:sp>
+        <p:nvSpPr>
+          <p:cNvPr id="26" name="Rectangle: Rounded Corners 25">
+            <a:extLst>
+              <a:ext uri="{FF2B5EF4-FFF2-40B4-BE49-F238E27FC236}">
+                <a16:creationId xmlns:a16="http://schemas.microsoft.com/office/drawing/2014/main" id="{A353122C-F926-4316-8333-AA1FD26A2DCC}"/>
+              </a:ext>
+            </a:extLst>
+          </p:cNvPr>
+          <p:cNvSpPr/>
+          <p:nvPr/>
+        </p:nvSpPr>
+        <p:spPr>
+          <a:xfrm>
+            <a:off x="8960256" y="2446485"/>
+            <a:ext cx="1411160" cy="691447"/>
+          </a:xfrm>
+          <a:prstGeom prst="roundRect">
+            <a:avLst/>
+          </a:prstGeom>
+        </p:spPr>
+        <p:style>
+          <a:lnRef idx="2">
+            <a:schemeClr val="accent1">
+              <a:shade val="50000"/>
+            </a:schemeClr>
+          </a:lnRef>
+          <a:fillRef idx="1">
+            <a:schemeClr val="accent1"/>
+          </a:fillRef>
+          <a:effectRef idx="0">
+            <a:schemeClr val="accent1"/>
+          </a:effectRef>
+          <a:fontRef idx="minor">
+            <a:schemeClr val="lt1"/>
+          </a:fontRef>
+        </p:style>
+        <p:txBody>
+          <a:bodyPr rtlCol="0" anchor="ctr"/>
+          <a:lstStyle/>
+          <a:p>
+            <a:pPr algn="ctr"/>
+            <a:r>
+              <a:rPr lang="en-US" dirty="0"/>
+              <a:t>Interceptors</a:t>
+            </a:r>
+          </a:p>
+        </p:txBody>
+      </p:sp>
+      <p:cxnSp>
+        <p:nvCxnSpPr>
+          <p:cNvPr id="35" name="Straight Arrow Connector 34">
+            <a:extLst>
+              <a:ext uri="{FF2B5EF4-FFF2-40B4-BE49-F238E27FC236}">
+                <a16:creationId xmlns:a16="http://schemas.microsoft.com/office/drawing/2014/main" id="{655CD964-39C3-49AA-A940-6429D99DD501}"/>
+              </a:ext>
+            </a:extLst>
+          </p:cNvPr>
+          <p:cNvCxnSpPr>
+            <a:stCxn id="6" idx="3"/>
+            <a:endCxn id="26" idx="1"/>
+          </p:cNvCxnSpPr>
+          <p:nvPr/>
+        </p:nvCxnSpPr>
+        <p:spPr>
+          <a:xfrm flipV="1">
+            <a:off x="8309264" y="2792209"/>
+            <a:ext cx="650992" cy="5543"/>
+          </a:xfrm>
+          <a:prstGeom prst="straightConnector1">
+            <a:avLst/>
+          </a:prstGeom>
+          <a:ln>
+            <a:headEnd type="triangle"/>
+            <a:tailEnd type="triangle"/>
+          </a:ln>
+        </p:spPr>
+        <p:style>
+          <a:lnRef idx="1">
+            <a:schemeClr val="accent1"/>
+          </a:lnRef>
+          <a:fillRef idx="0">
+            <a:schemeClr val="accent1"/>
+          </a:fillRef>
+          <a:effectRef idx="0">
+            <a:schemeClr val="accent1"/>
+          </a:effectRef>
+          <a:fontRef idx="minor">
+            <a:schemeClr val="tx1"/>
+          </a:fontRef>
+        </p:style>
+      </p:cxnSp>
     </p:spTree>
     <p:extLst>
       <p:ext uri="{BB962C8B-B14F-4D97-AF65-F5344CB8AC3E}">
-        <p14:creationId xmlns:p14="http://schemas.microsoft.com/office/powerpoint/2010/main" val="1744208284"/>
+        <p14:creationId xmlns:p14="http://schemas.microsoft.com/office/powerpoint/2010/main" val="3684471623"/>
       </p:ext>
     </p:extLst>
   </p:cSld>
@@ -14046,10 +14899,10 @@
       </p:grpSpPr>
       <p:sp>
         <p:nvSpPr>
-          <p:cNvPr id="2" name="Title 1">
-            <a:extLst>
-              <a:ext uri="{FF2B5EF4-FFF2-40B4-BE49-F238E27FC236}">
-                <a16:creationId xmlns:a16="http://schemas.microsoft.com/office/drawing/2014/main" id="{F394D8BB-73D9-45C2-939B-128F60EC233E}"/>
+          <p:cNvPr id="5" name="Title 4">
+            <a:extLst>
+              <a:ext uri="{FF2B5EF4-FFF2-40B4-BE49-F238E27FC236}">
+                <a16:creationId xmlns:a16="http://schemas.microsoft.com/office/drawing/2014/main" id="{65300A32-161E-4F01-AE93-8BC3AA642099}"/>
               </a:ext>
             </a:extLst>
           </p:cNvPr>
@@ -14067,8 +14920,84 @@
           <a:p>
             <a:r>
               <a:rPr lang="en-US" dirty="0"/>
-              <a:t>Clean Code, Clean Architecture</a:t>
-            </a:r>
+              <a:t>Additional Resources</a:t>
+            </a:r>
+          </a:p>
+        </p:txBody>
+      </p:sp>
+      <p:sp>
+        <p:nvSpPr>
+          <p:cNvPr id="6" name="Content Placeholder 5">
+            <a:extLst>
+              <a:ext uri="{FF2B5EF4-FFF2-40B4-BE49-F238E27FC236}">
+                <a16:creationId xmlns:a16="http://schemas.microsoft.com/office/drawing/2014/main" id="{00C67496-00FF-4B58-A346-D02095FEF2BB}"/>
+              </a:ext>
+            </a:extLst>
+          </p:cNvPr>
+          <p:cNvSpPr>
+            <a:spLocks noGrp="1"/>
+          </p:cNvSpPr>
+          <p:nvPr>
+            <p:ph idx="1"/>
+          </p:nvPr>
+        </p:nvSpPr>
+        <p:spPr/>
+        <p:txBody>
+          <a:bodyPr/>
+          <a:lstStyle/>
+          <a:p>
+            <a:r>
+              <a:rPr lang="en-US" dirty="0">
+                <a:hlinkClick r:id="rId2"/>
+              </a:rPr>
+              <a:t>https://spring.io</a:t>
+            </a:r>
+            <a:endParaRPr lang="en-US" dirty="0"/>
+          </a:p>
+          <a:p>
+            <a:r>
+              <a:rPr lang="en-US" dirty="0">
+                <a:hlinkClick r:id="rId3"/>
+              </a:rPr>
+              <a:t>https://www.baeldung.com/spring-mvc-tutorial</a:t>
+            </a:r>
+            <a:endParaRPr lang="en-US" dirty="0"/>
+          </a:p>
+          <a:p>
+            <a:r>
+              <a:rPr lang="en-US" dirty="0">
+                <a:hlinkClick r:id="rId4"/>
+              </a:rPr>
+              <a:t>https://www.udemy.com/course/spring-hibernate-tutorial/</a:t>
+            </a:r>
+            <a:r>
+              <a:rPr lang="en-US" dirty="0"/>
+              <a:t> (PAID)</a:t>
+            </a:r>
+          </a:p>
+          <a:p>
+            <a:r>
+              <a:rPr lang="en-US" dirty="0">
+                <a:hlinkClick r:id="rId5"/>
+              </a:rPr>
+              <a:t>https://www.pluralsight.com/paths/core-spring</a:t>
+            </a:r>
+            <a:r>
+              <a:rPr lang="en-US" dirty="0"/>
+              <a:t> (PAID)</a:t>
+            </a:r>
+          </a:p>
+          <a:p>
+            <a:r>
+              <a:rPr lang="en-US" dirty="0">
+                <a:hlinkClick r:id="rId6"/>
+              </a:rPr>
+              <a:t>https://www.infoq.com/presentations/rxjava-spring-boot/</a:t>
+            </a:r>
+            <a:endParaRPr lang="en-US" dirty="0"/>
+          </a:p>
+          <a:p>
+            <a:endParaRPr lang="en-US" dirty="0"/>
           </a:p>
         </p:txBody>
       </p:sp>
@@ -14077,7 +15006,7 @@
           <p:cNvPr id="4" name="Slide Number Placeholder 3">
             <a:extLst>
               <a:ext uri="{FF2B5EF4-FFF2-40B4-BE49-F238E27FC236}">
-                <a16:creationId xmlns:a16="http://schemas.microsoft.com/office/drawing/2014/main" id="{A65572E5-5123-4EE7-8999-DFAA5D1A096D}"/>
+                <a16:creationId xmlns:a16="http://schemas.microsoft.com/office/drawing/2014/main" id="{6E2B3F43-3182-45F4-910D-C76E3FBAB672}"/>
               </a:ext>
             </a:extLst>
           </p:cNvPr>
@@ -14096,6 +15025,93 @@
             <a:fld id="{945DE137-1981-4A6E-942B-1AACE1746372}" type="slidenum">
               <a:rPr lang="en-US" smtClean="0"/>
               <a:t>28</a:t>
+            </a:fld>
+            <a:endParaRPr lang="en-US"/>
+          </a:p>
+        </p:txBody>
+      </p:sp>
+    </p:spTree>
+    <p:extLst>
+      <p:ext uri="{BB962C8B-B14F-4D97-AF65-F5344CB8AC3E}">
+        <p14:creationId xmlns:p14="http://schemas.microsoft.com/office/powerpoint/2010/main" val="1744208284"/>
+      </p:ext>
+    </p:extLst>
+  </p:cSld>
+  <p:clrMapOvr>
+    <a:masterClrMapping/>
+  </p:clrMapOvr>
+</p:sld>
+</file>
+
+<file path=ppt/slides/slide29.xml><?xml version="1.0" encoding="utf-8"?>
+<p:sld xmlns:a="http://schemas.openxmlformats.org/drawingml/2006/main" xmlns:r="http://schemas.openxmlformats.org/officeDocument/2006/relationships" xmlns:p="http://schemas.openxmlformats.org/presentationml/2006/main">
+  <p:cSld>
+    <p:spTree>
+      <p:nvGrpSpPr>
+        <p:cNvPr id="1" name=""/>
+        <p:cNvGrpSpPr/>
+        <p:nvPr/>
+      </p:nvGrpSpPr>
+      <p:grpSpPr>
+        <a:xfrm>
+          <a:off x="0" y="0"/>
+          <a:ext cx="0" cy="0"/>
+          <a:chOff x="0" y="0"/>
+          <a:chExt cx="0" cy="0"/>
+        </a:xfrm>
+      </p:grpSpPr>
+      <p:sp>
+        <p:nvSpPr>
+          <p:cNvPr id="2" name="Title 1">
+            <a:extLst>
+              <a:ext uri="{FF2B5EF4-FFF2-40B4-BE49-F238E27FC236}">
+                <a16:creationId xmlns:a16="http://schemas.microsoft.com/office/drawing/2014/main" id="{F394D8BB-73D9-45C2-939B-128F60EC233E}"/>
+              </a:ext>
+            </a:extLst>
+          </p:cNvPr>
+          <p:cNvSpPr>
+            <a:spLocks noGrp="1"/>
+          </p:cNvSpPr>
+          <p:nvPr>
+            <p:ph type="title"/>
+          </p:nvPr>
+        </p:nvSpPr>
+        <p:spPr/>
+        <p:txBody>
+          <a:bodyPr/>
+          <a:lstStyle/>
+          <a:p>
+            <a:r>
+              <a:rPr lang="en-US" dirty="0"/>
+              <a:t>Clean Code, Clean Architecture</a:t>
+            </a:r>
+          </a:p>
+        </p:txBody>
+      </p:sp>
+      <p:sp>
+        <p:nvSpPr>
+          <p:cNvPr id="4" name="Slide Number Placeholder 3">
+            <a:extLst>
+              <a:ext uri="{FF2B5EF4-FFF2-40B4-BE49-F238E27FC236}">
+                <a16:creationId xmlns:a16="http://schemas.microsoft.com/office/drawing/2014/main" id="{A65572E5-5123-4EE7-8999-DFAA5D1A096D}"/>
+              </a:ext>
+            </a:extLst>
+          </p:cNvPr>
+          <p:cNvSpPr>
+            <a:spLocks noGrp="1"/>
+          </p:cNvSpPr>
+          <p:nvPr>
+            <p:ph type="sldNum" sz="quarter" idx="12"/>
+          </p:nvPr>
+        </p:nvSpPr>
+        <p:spPr/>
+        <p:txBody>
+          <a:bodyPr/>
+          <a:lstStyle/>
+          <a:p>
+            <a:fld id="{945DE137-1981-4A6E-942B-1AACE1746372}" type="slidenum">
+              <a:rPr lang="en-US" smtClean="0"/>
+              <a:t>29</a:t>
             </a:fld>
             <a:endParaRPr lang="en-US"/>
           </a:p>
@@ -14249,7 +15265,7 @@
 </p:sld>
 </file>
 
-<file path=ppt/slides/slide29.xml><?xml version="1.0" encoding="utf-8"?>
+<file path=ppt/slides/slide3.xml><?xml version="1.0" encoding="utf-8"?>
 <p:sld xmlns:a="http://schemas.openxmlformats.org/drawingml/2006/main" xmlns:r="http://schemas.openxmlformats.org/officeDocument/2006/relationships" xmlns:p="http://schemas.openxmlformats.org/presentationml/2006/main">
   <p:cSld>
     <p:spTree>
@@ -14271,7 +15287,7 @@
           <p:cNvPr id="2" name="Title 1">
             <a:extLst>
               <a:ext uri="{FF2B5EF4-FFF2-40B4-BE49-F238E27FC236}">
-                <a16:creationId xmlns:a16="http://schemas.microsoft.com/office/drawing/2014/main" id="{0484896C-A0D3-460C-B708-BD0825945A54}"/>
+                <a16:creationId xmlns:a16="http://schemas.microsoft.com/office/drawing/2014/main" id="{E7D94025-A36F-48DD-BB09-6D3DC7AA6236}"/>
               </a:ext>
             </a:extLst>
           </p:cNvPr>
@@ -14289,7 +15305,43 @@
           <a:p>
             <a:r>
               <a:rPr lang="en-US" dirty="0"/>
-              <a:t>Clean Architecture</a:t>
+              <a:t>Hands-On Labs</a:t>
+            </a:r>
+          </a:p>
+        </p:txBody>
+      </p:sp>
+      <p:sp>
+        <p:nvSpPr>
+          <p:cNvPr id="3" name="Content Placeholder 2">
+            <a:extLst>
+              <a:ext uri="{FF2B5EF4-FFF2-40B4-BE49-F238E27FC236}">
+                <a16:creationId xmlns:a16="http://schemas.microsoft.com/office/drawing/2014/main" id="{281B625E-7EA0-42C6-B0A3-B482F474F16B}"/>
+              </a:ext>
+            </a:extLst>
+          </p:cNvPr>
+          <p:cNvSpPr>
+            <a:spLocks noGrp="1"/>
+          </p:cNvSpPr>
+          <p:nvPr>
+            <p:ph idx="1"/>
+          </p:nvPr>
+        </p:nvSpPr>
+        <p:spPr/>
+        <p:txBody>
+          <a:bodyPr/>
+          <a:lstStyle/>
+          <a:p>
+            <a:pPr lvl="0"/>
+            <a:r>
+              <a:rPr lang="en-US" dirty="0"/>
+              <a:t>Creating Rest endpoints in our Customer-Service</a:t>
+            </a:r>
+          </a:p>
+          <a:p>
+            <a:pPr lvl="0"/>
+            <a:r>
+              <a:rPr lang="en-US" dirty="0"/>
+              <a:t>Test our service with Postman</a:t>
             </a:r>
           </a:p>
         </p:txBody>
@@ -14299,7 +15351,7 @@
           <p:cNvPr id="4" name="Slide Number Placeholder 3">
             <a:extLst>
               <a:ext uri="{FF2B5EF4-FFF2-40B4-BE49-F238E27FC236}">
-                <a16:creationId xmlns:a16="http://schemas.microsoft.com/office/drawing/2014/main" id="{37A29322-C334-4D70-B867-ACEEA89005EB}"/>
+                <a16:creationId xmlns:a16="http://schemas.microsoft.com/office/drawing/2014/main" id="{2C1D1988-2F70-45D2-AC3F-DC0F8B527B70}"/>
               </a:ext>
             </a:extLst>
           </p:cNvPr>
@@ -14317,7 +15369,94 @@
           <a:p>
             <a:fld id="{945DE137-1981-4A6E-942B-1AACE1746372}" type="slidenum">
               <a:rPr lang="en-US" smtClean="0"/>
-              <a:t>29</a:t>
+              <a:t>3</a:t>
+            </a:fld>
+            <a:endParaRPr lang="en-US"/>
+          </a:p>
+        </p:txBody>
+      </p:sp>
+    </p:spTree>
+    <p:extLst>
+      <p:ext uri="{BB962C8B-B14F-4D97-AF65-F5344CB8AC3E}">
+        <p14:creationId xmlns:p14="http://schemas.microsoft.com/office/powerpoint/2010/main" val="987661240"/>
+      </p:ext>
+    </p:extLst>
+  </p:cSld>
+  <p:clrMapOvr>
+    <a:masterClrMapping/>
+  </p:clrMapOvr>
+</p:sld>
+</file>
+
+<file path=ppt/slides/slide30.xml><?xml version="1.0" encoding="utf-8"?>
+<p:sld xmlns:a="http://schemas.openxmlformats.org/drawingml/2006/main" xmlns:r="http://schemas.openxmlformats.org/officeDocument/2006/relationships" xmlns:p="http://schemas.openxmlformats.org/presentationml/2006/main">
+  <p:cSld>
+    <p:spTree>
+      <p:nvGrpSpPr>
+        <p:cNvPr id="1" name=""/>
+        <p:cNvGrpSpPr/>
+        <p:nvPr/>
+      </p:nvGrpSpPr>
+      <p:grpSpPr>
+        <a:xfrm>
+          <a:off x="0" y="0"/>
+          <a:ext cx="0" cy="0"/>
+          <a:chOff x="0" y="0"/>
+          <a:chExt cx="0" cy="0"/>
+        </a:xfrm>
+      </p:grpSpPr>
+      <p:sp>
+        <p:nvSpPr>
+          <p:cNvPr id="2" name="Title 1">
+            <a:extLst>
+              <a:ext uri="{FF2B5EF4-FFF2-40B4-BE49-F238E27FC236}">
+                <a16:creationId xmlns:a16="http://schemas.microsoft.com/office/drawing/2014/main" id="{0484896C-A0D3-460C-B708-BD0825945A54}"/>
+              </a:ext>
+            </a:extLst>
+          </p:cNvPr>
+          <p:cNvSpPr>
+            <a:spLocks noGrp="1"/>
+          </p:cNvSpPr>
+          <p:nvPr>
+            <p:ph type="title"/>
+          </p:nvPr>
+        </p:nvSpPr>
+        <p:spPr/>
+        <p:txBody>
+          <a:bodyPr/>
+          <a:lstStyle/>
+          <a:p>
+            <a:r>
+              <a:rPr lang="en-US" dirty="0"/>
+              <a:t>Clean Architecture</a:t>
+            </a:r>
+          </a:p>
+        </p:txBody>
+      </p:sp>
+      <p:sp>
+        <p:nvSpPr>
+          <p:cNvPr id="4" name="Slide Number Placeholder 3">
+            <a:extLst>
+              <a:ext uri="{FF2B5EF4-FFF2-40B4-BE49-F238E27FC236}">
+                <a16:creationId xmlns:a16="http://schemas.microsoft.com/office/drawing/2014/main" id="{37A29322-C334-4D70-B867-ACEEA89005EB}"/>
+              </a:ext>
+            </a:extLst>
+          </p:cNvPr>
+          <p:cNvSpPr>
+            <a:spLocks noGrp="1"/>
+          </p:cNvSpPr>
+          <p:nvPr>
+            <p:ph type="sldNum" sz="quarter" idx="12"/>
+          </p:nvPr>
+        </p:nvSpPr>
+        <p:spPr/>
+        <p:txBody>
+          <a:bodyPr/>
+          <a:lstStyle/>
+          <a:p>
+            <a:fld id="{945DE137-1981-4A6E-942B-1AACE1746372}" type="slidenum">
+              <a:rPr lang="en-US" smtClean="0"/>
+              <a:t>30</a:t>
             </a:fld>
             <a:endParaRPr lang="en-US"/>
           </a:p>
@@ -14364,7 +15503,7 @@
 </p:sld>
 </file>
 
-<file path=ppt/slides/slide3.xml><?xml version="1.0" encoding="utf-8"?>
+<file path=ppt/slides/slide31.xml><?xml version="1.0" encoding="utf-8"?>
 <p:sld xmlns:a="http://schemas.openxmlformats.org/drawingml/2006/main" xmlns:r="http://schemas.openxmlformats.org/officeDocument/2006/relationships" xmlns:p="http://schemas.openxmlformats.org/presentationml/2006/main">
   <p:cSld>
     <p:spTree>
@@ -14386,7 +15525,7 @@
           <p:cNvPr id="2" name="Title 1">
             <a:extLst>
               <a:ext uri="{FF2B5EF4-FFF2-40B4-BE49-F238E27FC236}">
-                <a16:creationId xmlns:a16="http://schemas.microsoft.com/office/drawing/2014/main" id="{E7D94025-A36F-48DD-BB09-6D3DC7AA6236}"/>
+                <a16:creationId xmlns:a16="http://schemas.microsoft.com/office/drawing/2014/main" id="{A980F8E4-610B-43C3-8AF7-156917DEE876}"/>
               </a:ext>
             </a:extLst>
           </p:cNvPr>
@@ -14404,43 +15543,7 @@
           <a:p>
             <a:r>
               <a:rPr lang="en-US" dirty="0"/>
-              <a:t>Hands-On Labs</a:t>
-            </a:r>
-          </a:p>
-        </p:txBody>
-      </p:sp>
-      <p:sp>
-        <p:nvSpPr>
-          <p:cNvPr id="3" name="Content Placeholder 2">
-            <a:extLst>
-              <a:ext uri="{FF2B5EF4-FFF2-40B4-BE49-F238E27FC236}">
-                <a16:creationId xmlns:a16="http://schemas.microsoft.com/office/drawing/2014/main" id="{281B625E-7EA0-42C6-B0A3-B482F474F16B}"/>
-              </a:ext>
-            </a:extLst>
-          </p:cNvPr>
-          <p:cNvSpPr>
-            <a:spLocks noGrp="1"/>
-          </p:cNvSpPr>
-          <p:nvPr>
-            <p:ph idx="1"/>
-          </p:nvPr>
-        </p:nvSpPr>
-        <p:spPr/>
-        <p:txBody>
-          <a:bodyPr/>
-          <a:lstStyle/>
-          <a:p>
-            <a:pPr lvl="0"/>
-            <a:r>
-              <a:rPr lang="en-US" dirty="0"/>
-              <a:t>Creating Rest endpoints in our Customer-Service</a:t>
-            </a:r>
-          </a:p>
-          <a:p>
-            <a:pPr lvl="0"/>
-            <a:r>
-              <a:rPr lang="en-US" dirty="0"/>
-              <a:t>Test our service with Postman</a:t>
+              <a:t>Clean Architecture</a:t>
             </a:r>
           </a:p>
         </p:txBody>
@@ -14450,7 +15553,7 @@
           <p:cNvPr id="4" name="Slide Number Placeholder 3">
             <a:extLst>
               <a:ext uri="{FF2B5EF4-FFF2-40B4-BE49-F238E27FC236}">
-                <a16:creationId xmlns:a16="http://schemas.microsoft.com/office/drawing/2014/main" id="{2C1D1988-2F70-45D2-AC3F-DC0F8B527B70}"/>
+                <a16:creationId xmlns:a16="http://schemas.microsoft.com/office/drawing/2014/main" id="{2B670A80-1B73-4621-9F12-E7CA3BFFD0E6}"/>
               </a:ext>
             </a:extLst>
           </p:cNvPr>
@@ -14468,94 +15571,7 @@
           <a:p>
             <a:fld id="{945DE137-1981-4A6E-942B-1AACE1746372}" type="slidenum">
               <a:rPr lang="en-US" smtClean="0"/>
-              <a:t>3</a:t>
-            </a:fld>
-            <a:endParaRPr lang="en-US"/>
-          </a:p>
-        </p:txBody>
-      </p:sp>
-    </p:spTree>
-    <p:extLst>
-      <p:ext uri="{BB962C8B-B14F-4D97-AF65-F5344CB8AC3E}">
-        <p14:creationId xmlns:p14="http://schemas.microsoft.com/office/powerpoint/2010/main" val="987661240"/>
-      </p:ext>
-    </p:extLst>
-  </p:cSld>
-  <p:clrMapOvr>
-    <a:masterClrMapping/>
-  </p:clrMapOvr>
-</p:sld>
-</file>
-
-<file path=ppt/slides/slide30.xml><?xml version="1.0" encoding="utf-8"?>
-<p:sld xmlns:a="http://schemas.openxmlformats.org/drawingml/2006/main" xmlns:r="http://schemas.openxmlformats.org/officeDocument/2006/relationships" xmlns:p="http://schemas.openxmlformats.org/presentationml/2006/main">
-  <p:cSld>
-    <p:spTree>
-      <p:nvGrpSpPr>
-        <p:cNvPr id="1" name=""/>
-        <p:cNvGrpSpPr/>
-        <p:nvPr/>
-      </p:nvGrpSpPr>
-      <p:grpSpPr>
-        <a:xfrm>
-          <a:off x="0" y="0"/>
-          <a:ext cx="0" cy="0"/>
-          <a:chOff x="0" y="0"/>
-          <a:chExt cx="0" cy="0"/>
-        </a:xfrm>
-      </p:grpSpPr>
-      <p:sp>
-        <p:nvSpPr>
-          <p:cNvPr id="2" name="Title 1">
-            <a:extLst>
-              <a:ext uri="{FF2B5EF4-FFF2-40B4-BE49-F238E27FC236}">
-                <a16:creationId xmlns:a16="http://schemas.microsoft.com/office/drawing/2014/main" id="{A980F8E4-610B-43C3-8AF7-156917DEE876}"/>
-              </a:ext>
-            </a:extLst>
-          </p:cNvPr>
-          <p:cNvSpPr>
-            <a:spLocks noGrp="1"/>
-          </p:cNvSpPr>
-          <p:nvPr>
-            <p:ph type="title"/>
-          </p:nvPr>
-        </p:nvSpPr>
-        <p:spPr/>
-        <p:txBody>
-          <a:bodyPr/>
-          <a:lstStyle/>
-          <a:p>
-            <a:r>
-              <a:rPr lang="en-US" dirty="0"/>
-              <a:t>Clean Architecture</a:t>
-            </a:r>
-          </a:p>
-        </p:txBody>
-      </p:sp>
-      <p:sp>
-        <p:nvSpPr>
-          <p:cNvPr id="4" name="Slide Number Placeholder 3">
-            <a:extLst>
-              <a:ext uri="{FF2B5EF4-FFF2-40B4-BE49-F238E27FC236}">
-                <a16:creationId xmlns:a16="http://schemas.microsoft.com/office/drawing/2014/main" id="{2B670A80-1B73-4621-9F12-E7CA3BFFD0E6}"/>
-              </a:ext>
-            </a:extLst>
-          </p:cNvPr>
-          <p:cNvSpPr>
-            <a:spLocks noGrp="1"/>
-          </p:cNvSpPr>
-          <p:nvPr>
-            <p:ph type="sldNum" sz="quarter" idx="12"/>
-          </p:nvPr>
-        </p:nvSpPr>
-        <p:spPr/>
-        <p:txBody>
-          <a:bodyPr/>
-          <a:lstStyle/>
-          <a:p>
-            <a:fld id="{945DE137-1981-4A6E-942B-1AACE1746372}" type="slidenum">
-              <a:rPr lang="en-US" smtClean="0"/>
-              <a:t>30</a:t>
+              <a:t>31</a:t>
             </a:fld>
             <a:endParaRPr lang="en-US"/>
           </a:p>
@@ -14853,145 +15869,6 @@
     <p:extLst>
       <p:ext uri="{BB962C8B-B14F-4D97-AF65-F5344CB8AC3E}">
         <p14:creationId xmlns:p14="http://schemas.microsoft.com/office/powerpoint/2010/main" val="3122354172"/>
-      </p:ext>
-    </p:extLst>
-  </p:cSld>
-  <p:clrMapOvr>
-    <a:masterClrMapping/>
-  </p:clrMapOvr>
-</p:sld>
-</file>
-
-<file path=ppt/slides/slide31.xml><?xml version="1.0" encoding="utf-8"?>
-<p:sld xmlns:a="http://schemas.openxmlformats.org/drawingml/2006/main" xmlns:r="http://schemas.openxmlformats.org/officeDocument/2006/relationships" xmlns:p="http://schemas.openxmlformats.org/presentationml/2006/main">
-  <p:cSld>
-    <p:spTree>
-      <p:nvGrpSpPr>
-        <p:cNvPr id="1" name=""/>
-        <p:cNvGrpSpPr/>
-        <p:nvPr/>
-      </p:nvGrpSpPr>
-      <p:grpSpPr>
-        <a:xfrm>
-          <a:off x="0" y="0"/>
-          <a:ext cx="0" cy="0"/>
-          <a:chOff x="0" y="0"/>
-          <a:chExt cx="0" cy="0"/>
-        </a:xfrm>
-      </p:grpSpPr>
-      <p:sp>
-        <p:nvSpPr>
-          <p:cNvPr id="2" name="Title 1">
-            <a:extLst>
-              <a:ext uri="{FF2B5EF4-FFF2-40B4-BE49-F238E27FC236}">
-                <a16:creationId xmlns:a16="http://schemas.microsoft.com/office/drawing/2014/main" id="{9A1C3140-4F69-4377-9DD2-C66DAA374A10}"/>
-              </a:ext>
-            </a:extLst>
-          </p:cNvPr>
-          <p:cNvSpPr>
-            <a:spLocks noGrp="1"/>
-          </p:cNvSpPr>
-          <p:nvPr>
-            <p:ph type="title"/>
-          </p:nvPr>
-        </p:nvSpPr>
-        <p:spPr/>
-        <p:txBody>
-          <a:bodyPr/>
-          <a:lstStyle/>
-          <a:p>
-            <a:r>
-              <a:rPr lang="en-US" dirty="0"/>
-              <a:t>Additional Resources</a:t>
-            </a:r>
-          </a:p>
-        </p:txBody>
-      </p:sp>
-      <p:sp>
-        <p:nvSpPr>
-          <p:cNvPr id="3" name="Content Placeholder 2">
-            <a:extLst>
-              <a:ext uri="{FF2B5EF4-FFF2-40B4-BE49-F238E27FC236}">
-                <a16:creationId xmlns:a16="http://schemas.microsoft.com/office/drawing/2014/main" id="{9DAF5A12-7AEE-4789-B45B-5E9B2A34C499}"/>
-              </a:ext>
-            </a:extLst>
-          </p:cNvPr>
-          <p:cNvSpPr>
-            <a:spLocks noGrp="1"/>
-          </p:cNvSpPr>
-          <p:nvPr>
-            <p:ph idx="1"/>
-          </p:nvPr>
-        </p:nvSpPr>
-        <p:spPr/>
-        <p:txBody>
-          <a:bodyPr/>
-          <a:lstStyle/>
-          <a:p>
-            <a:r>
-              <a:rPr lang="en-US" dirty="0"/>
-              <a:t>Clean Code, by Robert Martin</a:t>
-            </a:r>
-          </a:p>
-          <a:p>
-            <a:r>
-              <a:rPr lang="en-US" dirty="0"/>
-              <a:t>Clean Architecture, by Robert Martin</a:t>
-            </a:r>
-          </a:p>
-          <a:p>
-            <a:r>
-              <a:rPr lang="en-US" dirty="0"/>
-              <a:t>Code Complete, by Steve McConnell</a:t>
-            </a:r>
-          </a:p>
-          <a:p>
-            <a:r>
-              <a:rPr lang="en-US" dirty="0"/>
-              <a:t>Patterns of Enterprise Application Architecture, by Martin Fowler</a:t>
-            </a:r>
-          </a:p>
-          <a:p>
-            <a:r>
-              <a:rPr lang="en-US" dirty="0"/>
-              <a:t>Domain Driven Design, by Eric Evens</a:t>
-            </a:r>
-          </a:p>
-        </p:txBody>
-      </p:sp>
-      <p:sp>
-        <p:nvSpPr>
-          <p:cNvPr id="4" name="Slide Number Placeholder 3">
-            <a:extLst>
-              <a:ext uri="{FF2B5EF4-FFF2-40B4-BE49-F238E27FC236}">
-                <a16:creationId xmlns:a16="http://schemas.microsoft.com/office/drawing/2014/main" id="{9495B950-B59D-40F9-A3A0-2A4EA6B87472}"/>
-              </a:ext>
-            </a:extLst>
-          </p:cNvPr>
-          <p:cNvSpPr>
-            <a:spLocks noGrp="1"/>
-          </p:cNvSpPr>
-          <p:nvPr>
-            <p:ph type="sldNum" sz="quarter" idx="12"/>
-          </p:nvPr>
-        </p:nvSpPr>
-        <p:spPr/>
-        <p:txBody>
-          <a:bodyPr/>
-          <a:lstStyle/>
-          <a:p>
-            <a:fld id="{945DE137-1981-4A6E-942B-1AACE1746372}" type="slidenum">
-              <a:rPr lang="en-US" smtClean="0"/>
-              <a:t>31</a:t>
-            </a:fld>
-            <a:endParaRPr lang="en-US"/>
-          </a:p>
-        </p:txBody>
-      </p:sp>
-    </p:spTree>
-    <p:extLst>
-      <p:ext uri="{BB962C8B-B14F-4D97-AF65-F5344CB8AC3E}">
-        <p14:creationId xmlns:p14="http://schemas.microsoft.com/office/powerpoint/2010/main" val="3326234476"/>
       </p:ext>
     </p:extLst>
   </p:cSld>
@@ -15020,10 +15897,10 @@
       </p:grpSpPr>
       <p:sp>
         <p:nvSpPr>
-          <p:cNvPr id="5" name="Title 4">
-            <a:extLst>
-              <a:ext uri="{FF2B5EF4-FFF2-40B4-BE49-F238E27FC236}">
-                <a16:creationId xmlns:a16="http://schemas.microsoft.com/office/drawing/2014/main" id="{3451DC19-7301-4A76-B7B6-014CEED408FB}"/>
+          <p:cNvPr id="2" name="Title 1">
+            <a:extLst>
+              <a:ext uri="{FF2B5EF4-FFF2-40B4-BE49-F238E27FC236}">
+                <a16:creationId xmlns:a16="http://schemas.microsoft.com/office/drawing/2014/main" id="{9A1C3140-4F69-4377-9DD2-C66DAA374A10}"/>
               </a:ext>
             </a:extLst>
           </p:cNvPr>
@@ -15041,6 +15918,145 @@
           <a:p>
             <a:r>
               <a:rPr lang="en-US" dirty="0"/>
+              <a:t>Additional Resources</a:t>
+            </a:r>
+          </a:p>
+        </p:txBody>
+      </p:sp>
+      <p:sp>
+        <p:nvSpPr>
+          <p:cNvPr id="3" name="Content Placeholder 2">
+            <a:extLst>
+              <a:ext uri="{FF2B5EF4-FFF2-40B4-BE49-F238E27FC236}">
+                <a16:creationId xmlns:a16="http://schemas.microsoft.com/office/drawing/2014/main" id="{9DAF5A12-7AEE-4789-B45B-5E9B2A34C499}"/>
+              </a:ext>
+            </a:extLst>
+          </p:cNvPr>
+          <p:cNvSpPr>
+            <a:spLocks noGrp="1"/>
+          </p:cNvSpPr>
+          <p:nvPr>
+            <p:ph idx="1"/>
+          </p:nvPr>
+        </p:nvSpPr>
+        <p:spPr/>
+        <p:txBody>
+          <a:bodyPr/>
+          <a:lstStyle/>
+          <a:p>
+            <a:r>
+              <a:rPr lang="en-US" dirty="0"/>
+              <a:t>Clean Code, by Robert Martin</a:t>
+            </a:r>
+          </a:p>
+          <a:p>
+            <a:r>
+              <a:rPr lang="en-US" dirty="0"/>
+              <a:t>Clean Architecture, by Robert Martin</a:t>
+            </a:r>
+          </a:p>
+          <a:p>
+            <a:r>
+              <a:rPr lang="en-US" dirty="0"/>
+              <a:t>Code Complete, by Steve McConnell</a:t>
+            </a:r>
+          </a:p>
+          <a:p>
+            <a:r>
+              <a:rPr lang="en-US" dirty="0"/>
+              <a:t>Patterns of Enterprise Application Architecture, by Martin Fowler</a:t>
+            </a:r>
+          </a:p>
+          <a:p>
+            <a:r>
+              <a:rPr lang="en-US" dirty="0"/>
+              <a:t>Domain Driven Design, by Eric Evens</a:t>
+            </a:r>
+          </a:p>
+        </p:txBody>
+      </p:sp>
+      <p:sp>
+        <p:nvSpPr>
+          <p:cNvPr id="4" name="Slide Number Placeholder 3">
+            <a:extLst>
+              <a:ext uri="{FF2B5EF4-FFF2-40B4-BE49-F238E27FC236}">
+                <a16:creationId xmlns:a16="http://schemas.microsoft.com/office/drawing/2014/main" id="{9495B950-B59D-40F9-A3A0-2A4EA6B87472}"/>
+              </a:ext>
+            </a:extLst>
+          </p:cNvPr>
+          <p:cNvSpPr>
+            <a:spLocks noGrp="1"/>
+          </p:cNvSpPr>
+          <p:nvPr>
+            <p:ph type="sldNum" sz="quarter" idx="12"/>
+          </p:nvPr>
+        </p:nvSpPr>
+        <p:spPr/>
+        <p:txBody>
+          <a:bodyPr/>
+          <a:lstStyle/>
+          <a:p>
+            <a:fld id="{945DE137-1981-4A6E-942B-1AACE1746372}" type="slidenum">
+              <a:rPr lang="en-US" smtClean="0"/>
+              <a:t>32</a:t>
+            </a:fld>
+            <a:endParaRPr lang="en-US"/>
+          </a:p>
+        </p:txBody>
+      </p:sp>
+    </p:spTree>
+    <p:extLst>
+      <p:ext uri="{BB962C8B-B14F-4D97-AF65-F5344CB8AC3E}">
+        <p14:creationId xmlns:p14="http://schemas.microsoft.com/office/powerpoint/2010/main" val="3326234476"/>
+      </p:ext>
+    </p:extLst>
+  </p:cSld>
+  <p:clrMapOvr>
+    <a:masterClrMapping/>
+  </p:clrMapOvr>
+</p:sld>
+</file>
+
+<file path=ppt/slides/slide33.xml><?xml version="1.0" encoding="utf-8"?>
+<p:sld xmlns:a="http://schemas.openxmlformats.org/drawingml/2006/main" xmlns:r="http://schemas.openxmlformats.org/officeDocument/2006/relationships" xmlns:p="http://schemas.openxmlformats.org/presentationml/2006/main">
+  <p:cSld>
+    <p:spTree>
+      <p:nvGrpSpPr>
+        <p:cNvPr id="1" name=""/>
+        <p:cNvGrpSpPr/>
+        <p:nvPr/>
+      </p:nvGrpSpPr>
+      <p:grpSpPr>
+        <a:xfrm>
+          <a:off x="0" y="0"/>
+          <a:ext cx="0" cy="0"/>
+          <a:chOff x="0" y="0"/>
+          <a:chExt cx="0" cy="0"/>
+        </a:xfrm>
+      </p:grpSpPr>
+      <p:sp>
+        <p:nvSpPr>
+          <p:cNvPr id="5" name="Title 4">
+            <a:extLst>
+              <a:ext uri="{FF2B5EF4-FFF2-40B4-BE49-F238E27FC236}">
+                <a16:creationId xmlns:a16="http://schemas.microsoft.com/office/drawing/2014/main" id="{3451DC19-7301-4A76-B7B6-014CEED408FB}"/>
+              </a:ext>
+            </a:extLst>
+          </p:cNvPr>
+          <p:cNvSpPr>
+            <a:spLocks noGrp="1"/>
+          </p:cNvSpPr>
+          <p:nvPr>
+            <p:ph type="title"/>
+          </p:nvPr>
+        </p:nvSpPr>
+        <p:spPr/>
+        <p:txBody>
+          <a:bodyPr/>
+          <a:lstStyle/>
+          <a:p>
+            <a:r>
+              <a:rPr lang="en-US" dirty="0"/>
               <a:t>Thank You!</a:t>
             </a:r>
           </a:p>
@@ -15094,7 +16110,7 @@
           <a:p>
             <a:fld id="{945DE137-1981-4A6E-942B-1AACE1746372}" type="slidenum">
               <a:rPr lang="en-US" smtClean="0"/>
-              <a:t>32</a:t>
+              <a:t>33</a:t>
             </a:fld>
             <a:endParaRPr lang="en-US"/>
           </a:p>
